--- a/trunk/docs/BudgetMonitor.pptx
+++ b/trunk/docs/BudgetMonitor.pptx
@@ -7063,6 +7063,36 @@
           </a:p>
         </p:txBody>
       </p:sp>
+      <p:pic>
+        <p:nvPicPr>
+          <p:cNvPr id="4" name="Image 3"/>
+          <p:cNvPicPr>
+            <a:picLocks noChangeAspect="1"/>
+          </p:cNvPicPr>
+          <p:nvPr/>
+        </p:nvPicPr>
+        <p:blipFill>
+          <a:blip r:embed="rId2">
+            <a:extLst>
+              <a:ext uri="{28A0092B-C50C-407E-A947-70E740481C1C}">
+                <a14:useLocalDpi xmlns:a14="http://schemas.microsoft.com/office/drawing/2010/main" val="0"/>
+              </a:ext>
+            </a:extLst>
+          </a:blip>
+          <a:stretch>
+            <a:fillRect/>
+          </a:stretch>
+        </p:blipFill>
+        <p:spPr>
+          <a:xfrm>
+            <a:off x="1211261" y="1399215"/>
+            <a:ext cx="7275513" cy="5948672"/>
+          </a:xfrm>
+          <a:prstGeom prst="rect">
+            <a:avLst/>
+          </a:prstGeom>
+        </p:spPr>
+      </p:pic>
     </p:spTree>
     <p:extLst>
       <p:ext uri="{BB962C8B-B14F-4D97-AF65-F5344CB8AC3E}">
@@ -7147,6 +7177,21 @@
             <a:endParaRPr lang="fr-FR" dirty="0"/>
           </a:p>
           <a:p>
+            <a:endParaRPr lang="fr-FR" dirty="0" smtClean="0"/>
+          </a:p>
+          <a:p>
+            <a:endParaRPr lang="fr-FR" dirty="0"/>
+          </a:p>
+          <a:p>
+            <a:endParaRPr lang="fr-FR" dirty="0" smtClean="0"/>
+          </a:p>
+          <a:p>
+            <a:pPr marL="0" indent="0">
+              <a:buNone/>
+            </a:pPr>
+            <a:endParaRPr lang="fr-FR" dirty="0" smtClean="0"/>
+          </a:p>
+          <a:p>
             <a:r>
               <a:rPr lang="fr-FR" dirty="0" smtClean="0"/>
               <a:t>Gantt réalisé</a:t>
@@ -7155,6 +7200,66 @@
           </a:p>
         </p:txBody>
       </p:sp>
+      <p:pic>
+        <p:nvPicPr>
+          <p:cNvPr id="6" name="Image 5"/>
+          <p:cNvPicPr>
+            <a:picLocks noChangeAspect="1"/>
+          </p:cNvPicPr>
+          <p:nvPr/>
+        </p:nvPicPr>
+        <p:blipFill>
+          <a:blip r:embed="rId2">
+            <a:extLst>
+              <a:ext uri="{28A0092B-C50C-407E-A947-70E740481C1C}">
+                <a14:useLocalDpi xmlns:a14="http://schemas.microsoft.com/office/drawing/2010/main" val="0"/>
+              </a:ext>
+            </a:extLst>
+          </a:blip>
+          <a:stretch>
+            <a:fillRect/>
+          </a:stretch>
+        </p:blipFill>
+        <p:spPr>
+          <a:xfrm>
+            <a:off x="0" y="2214375"/>
+            <a:ext cx="10058400" cy="2344694"/>
+          </a:xfrm>
+          <a:prstGeom prst="rect">
+            <a:avLst/>
+          </a:prstGeom>
+        </p:spPr>
+      </p:pic>
+      <p:pic>
+        <p:nvPicPr>
+          <p:cNvPr id="8" name="Image 7"/>
+          <p:cNvPicPr>
+            <a:picLocks noChangeAspect="1"/>
+          </p:cNvPicPr>
+          <p:nvPr/>
+        </p:nvPicPr>
+        <p:blipFill>
+          <a:blip r:embed="rId3">
+            <a:extLst>
+              <a:ext uri="{28A0092B-C50C-407E-A947-70E740481C1C}">
+                <a14:useLocalDpi xmlns:a14="http://schemas.microsoft.com/office/drawing/2010/main" val="0"/>
+              </a:ext>
+            </a:extLst>
+          </a:blip>
+          <a:stretch>
+            <a:fillRect/>
+          </a:stretch>
+        </p:blipFill>
+        <p:spPr>
+          <a:xfrm>
+            <a:off x="0" y="5088419"/>
+            <a:ext cx="10058400" cy="2368702"/>
+          </a:xfrm>
+          <a:prstGeom prst="rect">
+            <a:avLst/>
+          </a:prstGeom>
+        </p:spPr>
+      </p:pic>
     </p:spTree>
     <p:extLst>
       <p:ext uri="{BB962C8B-B14F-4D97-AF65-F5344CB8AC3E}">

--- a/trunk/docs/BudgetMonitor.pptx
+++ b/trunk/docs/BudgetMonitor.pptx
@@ -7065,7 +7065,7 @@
       </p:sp>
       <p:pic>
         <p:nvPicPr>
-          <p:cNvPr id="4" name="Image 3"/>
+          <p:cNvPr id="5" name="Image 4"/>
           <p:cNvPicPr>
             <a:picLocks noChangeAspect="1"/>
           </p:cNvPicPr>
@@ -7085,8 +7085,8 @@
         </p:blipFill>
         <p:spPr>
           <a:xfrm>
-            <a:off x="1211261" y="1399215"/>
-            <a:ext cx="7275513" cy="5948672"/>
+            <a:off x="1144586" y="1563840"/>
+            <a:ext cx="7237413" cy="5659489"/>
           </a:xfrm>
           <a:prstGeom prst="rect">
             <a:avLst/>

--- a/trunk/docs/BudgetMonitor.pptx
+++ b/trunk/docs/BudgetMonitor.pptx
@@ -11,8 +11,8 @@
     <p:sldId id="259" r:id="rId5"/>
     <p:sldId id="260" r:id="rId6"/>
     <p:sldId id="266" r:id="rId7"/>
-    <p:sldId id="261" r:id="rId8"/>
-    <p:sldId id="262" r:id="rId9"/>
+    <p:sldId id="262" r:id="rId8"/>
+    <p:sldId id="261" r:id="rId9"/>
     <p:sldId id="263" r:id="rId10"/>
     <p:sldId id="264" r:id="rId11"/>
     <p:sldId id="265" r:id="rId12"/>
@@ -114,6 +114,34 @@
       </a:defRPr>
     </a:lvl9pPr>
   </p:defaultTextStyle>
+  <p:extLst>
+    <p:ext uri="{521415D9-36F7-43E2-AB2F-B90AF26B5E84}">
+      <p14:sectionLst xmlns:p14="http://schemas.microsoft.com/office/powerpoint/2010/main">
+        <p14:section name="Section par défaut" id="{05AFE567-1645-4F94-AC91-58DA305F294D}">
+          <p14:sldIdLst>
+            <p14:sldId id="256"/>
+            <p14:sldId id="257"/>
+            <p14:sldId id="258"/>
+            <p14:sldId id="259"/>
+            <p14:sldId id="260"/>
+            <p14:sldId id="266"/>
+            <p14:sldId id="262"/>
+            <p14:sldId id="261"/>
+            <p14:sldId id="263"/>
+          </p14:sldIdLst>
+        </p14:section>
+        <p14:section name="Section sans titre" id="{DF4DC7A1-A63C-4870-AF56-161B83D1E875}">
+          <p14:sldIdLst>
+            <p14:sldId id="264"/>
+            <p14:sldId id="265"/>
+          </p14:sldIdLst>
+        </p14:section>
+      </p14:sectionLst>
+    </p:ext>
+    <p:ext uri="{EFAFB233-063F-42B5-8137-9DF3F51BA10A}">
+      <p15:sldGuideLst xmlns:p15="http://schemas.microsoft.com/office/powerpoint/2012/main"/>
+    </p:ext>
+  </p:extLst>
 </p:presentation>
 </file>
 
@@ -5877,6 +5905,9 @@
   <p:clrMapOvr>
     <a:masterClrMapping/>
   </p:clrMapOvr>
+  <p:transition spd="slow">
+    <p:wipe/>
+  </p:transition>
   <p:timing>
     <p:tnLst>
       <p:par>
@@ -5919,26 +5950,86 @@
           <a:bodyPr/>
           <a:lstStyle/>
           <a:p>
+            <a:r>
+              <a:rPr lang="fr-FR" dirty="0" smtClean="0"/>
+              <a:t>Simulation cout du projet</a:t>
+            </a:r>
             <a:endParaRPr lang="fr-FR" dirty="0"/>
           </a:p>
         </p:txBody>
       </p:sp>
       <p:sp>
         <p:nvSpPr>
-          <p:cNvPr id="3" name="Sous-titre 2"/>
-          <p:cNvSpPr>
-            <a:spLocks noGrp="1"/>
-          </p:cNvSpPr>
-          <p:nvPr>
-            <p:ph type="subTitle"/>
-          </p:nvPr>
-        </p:nvSpPr>
-        <p:spPr/>
-        <p:txBody>
-          <a:bodyPr/>
-          <a:lstStyle/>
-          <a:p>
-            <a:endParaRPr lang="fr-FR"/>
+          <p:cNvPr id="4" name="ZoneTexte 3"/>
+          <p:cNvSpPr txBox="1"/>
+          <p:nvPr/>
+        </p:nvSpPr>
+        <p:spPr>
+          <a:xfrm>
+            <a:off x="685800" y="2363940"/>
+            <a:ext cx="8172450" cy="4154984"/>
+          </a:xfrm>
+          <a:prstGeom prst="rect">
+            <a:avLst/>
+          </a:prstGeom>
+          <a:noFill/>
+        </p:spPr>
+        <p:txBody>
+          <a:bodyPr wrap="square" rtlCol="0">
+            <a:spAutoFit/>
+          </a:bodyPr>
+          <a:lstStyle/>
+          <a:p>
+            <a:r>
+              <a:rPr lang="fr-FR" sz="2400" dirty="0" smtClean="0"/>
+              <a:t>Nombre de personnes travaillant sur l’application : 3</a:t>
+            </a:r>
+          </a:p>
+          <a:p>
+            <a:endParaRPr lang="fr-FR" sz="2400" dirty="0"/>
+          </a:p>
+          <a:p>
+            <a:r>
+              <a:rPr lang="fr-FR" sz="2400" dirty="0" smtClean="0"/>
+              <a:t>Cout horaire / personne : 20 € / heure</a:t>
+            </a:r>
+          </a:p>
+          <a:p>
+            <a:endParaRPr lang="fr-FR" sz="2400" dirty="0"/>
+          </a:p>
+          <a:p>
+            <a:r>
+              <a:rPr lang="fr-FR" sz="2400" dirty="0" smtClean="0"/>
+              <a:t>Cout période d’analyse : 3 680 €, 6 jours</a:t>
+            </a:r>
+          </a:p>
+          <a:p>
+            <a:endParaRPr lang="fr-FR" sz="2400" dirty="0"/>
+          </a:p>
+          <a:p>
+            <a:r>
+              <a:rPr lang="fr-FR" sz="2400" dirty="0" smtClean="0"/>
+              <a:t>Cout période de développement : 6 240 €, 7 jours</a:t>
+            </a:r>
+          </a:p>
+          <a:p>
+            <a:endParaRPr lang="fr-FR" sz="2400" dirty="0"/>
+          </a:p>
+          <a:p>
+            <a:r>
+              <a:rPr lang="fr-FR" sz="2400" dirty="0" smtClean="0"/>
+              <a:t>Cout période de tests : 2 220 €, 2 jours</a:t>
+            </a:r>
+          </a:p>
+          <a:p>
+            <a:endParaRPr lang="fr-FR" sz="2400" dirty="0"/>
+          </a:p>
+          <a:p>
+            <a:r>
+              <a:rPr lang="fr-FR" sz="2400" dirty="0" smtClean="0"/>
+              <a:t>Cout total de l’application : 12 140 €</a:t>
+            </a:r>
+            <a:endParaRPr lang="fr-FR" sz="2400" dirty="0"/>
           </a:p>
         </p:txBody>
       </p:sp>
@@ -5952,6 +6043,18 @@
   <p:clrMapOvr>
     <a:masterClrMapping/>
   </p:clrMapOvr>
+  <mc:AlternateContent xmlns:mc="http://schemas.openxmlformats.org/markup-compatibility/2006">
+    <mc:Choice xmlns:p14="http://schemas.microsoft.com/office/powerpoint/2010/main" Requires="p14">
+      <p:transition spd="slow" p14:dur="1600">
+        <p14:prism isInverted="1"/>
+      </p:transition>
+    </mc:Choice>
+    <mc:Fallback>
+      <p:transition spd="slow">
+        <p:fade/>
+      </p:transition>
+    </mc:Fallback>
+  </mc:AlternateContent>
   <p:timing>
     <p:tnLst>
       <p:par>
@@ -5994,7 +6097,11 @@
           <a:bodyPr/>
           <a:lstStyle/>
           <a:p>
-            <a:endParaRPr lang="fr-FR"/>
+            <a:r>
+              <a:rPr lang="fr-FR" dirty="0" smtClean="0"/>
+              <a:t>bilan / Conclusion</a:t>
+            </a:r>
+            <a:endParaRPr lang="fr-FR" dirty="0"/>
           </a:p>
         </p:txBody>
       </p:sp>
@@ -6008,12 +6115,19 @@
             <p:ph type="subTitle"/>
           </p:nvPr>
         </p:nvSpPr>
-        <p:spPr/>
-        <p:txBody>
-          <a:bodyPr/>
-          <a:lstStyle/>
-          <a:p>
-            <a:endParaRPr lang="fr-FR"/>
+        <p:spPr>
+          <a:xfrm>
+            <a:off x="504000" y="1911045"/>
+            <a:ext cx="9071640" cy="1108380"/>
+          </a:xfrm>
+        </p:spPr>
+        <p:txBody>
+          <a:bodyPr>
+            <a:normAutofit/>
+          </a:bodyPr>
+          <a:lstStyle/>
+          <a:p>
+            <a:endParaRPr lang="fr-FR" sz="1600" dirty="0"/>
           </a:p>
         </p:txBody>
       </p:sp>
@@ -6027,6 +6141,18 @@
   <p:clrMapOvr>
     <a:masterClrMapping/>
   </p:clrMapOvr>
+  <mc:AlternateContent xmlns:mc="http://schemas.openxmlformats.org/markup-compatibility/2006">
+    <mc:Choice xmlns:p15="http://schemas.microsoft.com/office/powerpoint/2012/main" Requires="p15">
+      <p:transition xmlns:p14="http://schemas.microsoft.com/office/powerpoint/2010/main" spd="slow" p14:dur="1250">
+        <p15:prstTrans prst="airplane"/>
+      </p:transition>
+    </mc:Choice>
+    <mc:Fallback>
+      <p:transition spd="slow">
+        <p:fade/>
+      </p:transition>
+    </mc:Fallback>
+  </mc:AlternateContent>
   <p:timing>
     <p:tnLst>
       <p:par>
@@ -6239,6 +6365,9 @@
   <p:clrMapOvr>
     <a:masterClrMapping/>
   </p:clrMapOvr>
+  <p:transition spd="med">
+    <p:pull/>
+  </p:transition>
   <p:timing>
     <p:tnLst>
       <p:par>
@@ -6353,8 +6482,9 @@
             </a:pPr>
             <a:r>
               <a:rPr lang="fr-FR" dirty="0" smtClean="0"/>
-              <a:t>Développement</a:t>
-            </a:r>
+              <a:t>Réalisation</a:t>
+            </a:r>
+            <a:endParaRPr lang="fr-FR" dirty="0" smtClean="0"/>
           </a:p>
           <a:p>
             <a:pPr marL="285750" indent="-285750">
@@ -6415,6 +6545,18 @@
   <p:clrMapOvr>
     <a:masterClrMapping/>
   </p:clrMapOvr>
+  <mc:AlternateContent xmlns:mc="http://schemas.openxmlformats.org/markup-compatibility/2006">
+    <mc:Choice xmlns:p15="http://schemas.microsoft.com/office/powerpoint/2012/main" Requires="p15">
+      <p:transition xmlns:p14="http://schemas.microsoft.com/office/powerpoint/2010/main" spd="slow" p14:dur="2000">
+        <p15:prstTrans prst="fallOver"/>
+      </p:transition>
+    </mc:Choice>
+    <mc:Fallback>
+      <p:transition spd="slow">
+        <p:fade/>
+      </p:transition>
+    </mc:Fallback>
+  </mc:AlternateContent>
   <p:timing>
     <p:tnLst>
       <p:par>
@@ -6534,11 +6676,7 @@
             </a:pPr>
             <a:r>
               <a:rPr lang="fr-FR" dirty="0" smtClean="0"/>
-              <a:t>Gestion d’</a:t>
-            </a:r>
-            <a:r>
-              <a:rPr lang="fr-FR" dirty="0" smtClean="0"/>
-              <a:t>opérations pour chaque budget</a:t>
+              <a:t>Gestion d’opérations pour chaque budget</a:t>
             </a:r>
           </a:p>
           <a:p>
@@ -6667,6 +6805,18 @@
   <p:clrMapOvr>
     <a:masterClrMapping/>
   </p:clrMapOvr>
+  <mc:AlternateContent xmlns:mc="http://schemas.openxmlformats.org/markup-compatibility/2006">
+    <mc:Choice xmlns:p15="http://schemas.microsoft.com/office/powerpoint/2012/main" Requires="p15">
+      <p:transition xmlns:p14="http://schemas.microsoft.com/office/powerpoint/2010/main" spd="slow" p14:dur="2000">
+        <p15:prstTrans prst="wind"/>
+      </p:transition>
+    </mc:Choice>
+    <mc:Fallback>
+      <p:transition spd="slow">
+        <p:fade/>
+      </p:transition>
+    </mc:Fallback>
+  </mc:AlternateContent>
   <p:timing>
     <p:tnLst>
       <p:par>
@@ -6776,6 +6926,18 @@
   <p:clrMapOvr>
     <a:masterClrMapping/>
   </p:clrMapOvr>
+  <mc:AlternateContent xmlns:mc="http://schemas.openxmlformats.org/markup-compatibility/2006">
+    <mc:Choice xmlns:p15="http://schemas.microsoft.com/office/powerpoint/2012/main" Requires="p15">
+      <p:transition xmlns:p14="http://schemas.microsoft.com/office/powerpoint/2010/main" spd="slow" p14:dur="3250">
+        <p15:prstTrans prst="origami"/>
+      </p:transition>
+    </mc:Choice>
+    <mc:Fallback>
+      <p:transition spd="slow">
+        <p:fade/>
+      </p:transition>
+    </mc:Fallback>
+  </mc:AlternateContent>
   <p:timing>
     <p:tnLst>
       <p:par>
@@ -6915,6 +7077,18 @@
   <p:clrMapOvr>
     <a:masterClrMapping/>
   </p:clrMapOvr>
+  <mc:AlternateContent xmlns:mc="http://schemas.openxmlformats.org/markup-compatibility/2006">
+    <mc:Choice xmlns:p15="http://schemas.microsoft.com/office/powerpoint/2012/main" Requires="p15">
+      <p:transition xmlns:p14="http://schemas.microsoft.com/office/powerpoint/2010/main" spd="slow" p14:dur="2000">
+        <p15:prstTrans prst="prestige"/>
+      </p:transition>
+    </mc:Choice>
+    <mc:Fallback>
+      <p:transition spd="slow">
+        <p:fade/>
+      </p:transition>
+    </mc:Fallback>
+  </mc:AlternateContent>
   <p:timing>
     <p:tnLst>
       <p:par>
@@ -6926,85 +7100,6 @@
 </file>
 
 <file path=ppt/slides/slide7.xml><?xml version="1.0" encoding="utf-8"?>
-<p:sld xmlns:a="http://schemas.openxmlformats.org/drawingml/2006/main" xmlns:r="http://schemas.openxmlformats.org/officeDocument/2006/relationships" xmlns:p="http://schemas.openxmlformats.org/presentationml/2006/main">
-  <p:cSld>
-    <p:spTree>
-      <p:nvGrpSpPr>
-        <p:cNvPr id="1" name=""/>
-        <p:cNvGrpSpPr/>
-        <p:nvPr/>
-      </p:nvGrpSpPr>
-      <p:grpSpPr>
-        <a:xfrm>
-          <a:off x="0" y="0"/>
-          <a:ext cx="0" cy="0"/>
-          <a:chOff x="0" y="0"/>
-          <a:chExt cx="0" cy="0"/>
-        </a:xfrm>
-      </p:grpSpPr>
-      <p:sp>
-        <p:nvSpPr>
-          <p:cNvPr id="2" name="Titre 1"/>
-          <p:cNvSpPr>
-            <a:spLocks noGrp="1"/>
-          </p:cNvSpPr>
-          <p:nvPr>
-            <p:ph type="title"/>
-          </p:nvPr>
-        </p:nvSpPr>
-        <p:spPr/>
-        <p:txBody>
-          <a:bodyPr/>
-          <a:lstStyle/>
-          <a:p>
-            <a:r>
-              <a:rPr lang="fr-FR" dirty="0" smtClean="0"/>
-              <a:t>Cas concret : affichage d’un budget</a:t>
-            </a:r>
-            <a:endParaRPr lang="fr-FR" dirty="0"/>
-          </a:p>
-        </p:txBody>
-      </p:sp>
-      <p:sp>
-        <p:nvSpPr>
-          <p:cNvPr id="3" name="Sous-titre 2"/>
-          <p:cNvSpPr>
-            <a:spLocks noGrp="1"/>
-          </p:cNvSpPr>
-          <p:nvPr>
-            <p:ph type="subTitle"/>
-          </p:nvPr>
-        </p:nvSpPr>
-        <p:spPr/>
-        <p:txBody>
-          <a:bodyPr/>
-          <a:lstStyle/>
-          <a:p>
-            <a:endParaRPr lang="fr-FR" dirty="0"/>
-          </a:p>
-        </p:txBody>
-      </p:sp>
-    </p:spTree>
-    <p:extLst>
-      <p:ext uri="{BB962C8B-B14F-4D97-AF65-F5344CB8AC3E}">
-        <p14:creationId xmlns:p14="http://schemas.microsoft.com/office/powerpoint/2010/main" val="3616809464"/>
-      </p:ext>
-    </p:extLst>
-  </p:cSld>
-  <p:clrMapOvr>
-    <a:masterClrMapping/>
-  </p:clrMapOvr>
-  <p:timing>
-    <p:tnLst>
-      <p:par>
-        <p:cTn id="1" dur="indefinite" restart="never" nodeType="tmRoot"/>
-      </p:par>
-    </p:tnLst>
-  </p:timing>
-</p:sld>
-</file>
-
-<file path=ppt/slides/slide8.xml><?xml version="1.0" encoding="utf-8"?>
 <p:sld xmlns:a="http://schemas.openxmlformats.org/drawingml/2006/main" xmlns:r="http://schemas.openxmlformats.org/officeDocument/2006/relationships" xmlns:p="http://schemas.openxmlformats.org/presentationml/2006/main">
   <p:cSld>
     <p:spTree>
@@ -7103,6 +7198,139 @@
   <p:clrMapOvr>
     <a:masterClrMapping/>
   </p:clrMapOvr>
+  <mc:AlternateContent xmlns:mc="http://schemas.openxmlformats.org/markup-compatibility/2006">
+    <mc:Choice xmlns:p14="http://schemas.microsoft.com/office/powerpoint/2010/main" Requires="p14">
+      <p:transition spd="slow" p14:dur="2000">
+        <p14:ferris dir="l"/>
+      </p:transition>
+    </mc:Choice>
+    <mc:Fallback>
+      <p:transition spd="slow">
+        <p:fade/>
+      </p:transition>
+    </mc:Fallback>
+  </mc:AlternateContent>
+  <p:timing>
+    <p:tnLst>
+      <p:par>
+        <p:cTn id="1" dur="indefinite" restart="never" nodeType="tmRoot"/>
+      </p:par>
+    </p:tnLst>
+  </p:timing>
+</p:sld>
+</file>
+
+<file path=ppt/slides/slide8.xml><?xml version="1.0" encoding="utf-8"?>
+<p:sld xmlns:a="http://schemas.openxmlformats.org/drawingml/2006/main" xmlns:r="http://schemas.openxmlformats.org/officeDocument/2006/relationships" xmlns:p="http://schemas.openxmlformats.org/presentationml/2006/main">
+  <p:cSld>
+    <p:spTree>
+      <p:nvGrpSpPr>
+        <p:cNvPr id="1" name=""/>
+        <p:cNvGrpSpPr/>
+        <p:nvPr/>
+      </p:nvGrpSpPr>
+      <p:grpSpPr>
+        <a:xfrm>
+          <a:off x="0" y="0"/>
+          <a:ext cx="0" cy="0"/>
+          <a:chOff x="0" y="0"/>
+          <a:chExt cx="0" cy="0"/>
+        </a:xfrm>
+      </p:grpSpPr>
+      <p:sp>
+        <p:nvSpPr>
+          <p:cNvPr id="2" name="Titre 1"/>
+          <p:cNvSpPr>
+            <a:spLocks noGrp="1"/>
+          </p:cNvSpPr>
+          <p:nvPr>
+            <p:ph type="title"/>
+          </p:nvPr>
+        </p:nvSpPr>
+        <p:spPr/>
+        <p:txBody>
+          <a:bodyPr/>
+          <a:lstStyle/>
+          <a:p>
+            <a:r>
+              <a:rPr lang="fr-FR" dirty="0" smtClean="0"/>
+              <a:t>Cas concret : affichage d’un budget</a:t>
+            </a:r>
+            <a:endParaRPr lang="fr-FR" dirty="0"/>
+          </a:p>
+        </p:txBody>
+      </p:sp>
+      <p:sp>
+        <p:nvSpPr>
+          <p:cNvPr id="3" name="Sous-titre 2"/>
+          <p:cNvSpPr>
+            <a:spLocks noGrp="1"/>
+          </p:cNvSpPr>
+          <p:nvPr>
+            <p:ph type="subTitle"/>
+          </p:nvPr>
+        </p:nvSpPr>
+        <p:spPr/>
+        <p:txBody>
+          <a:bodyPr/>
+          <a:lstStyle/>
+          <a:p>
+            <a:endParaRPr lang="fr-FR" dirty="0"/>
+          </a:p>
+        </p:txBody>
+      </p:sp>
+      <p:pic>
+        <p:nvPicPr>
+          <p:cNvPr id="5" name="Image 4"/>
+          <p:cNvPicPr>
+            <a:picLocks noChangeAspect="1"/>
+          </p:cNvPicPr>
+          <p:nvPr/>
+        </p:nvPicPr>
+        <p:blipFill>
+          <a:blip r:embed="rId2">
+            <a:extLst>
+              <a:ext uri="{28A0092B-C50C-407E-A947-70E740481C1C}">
+                <a14:useLocalDpi xmlns:a14="http://schemas.microsoft.com/office/drawing/2010/main" val="0"/>
+              </a:ext>
+            </a:extLst>
+          </a:blip>
+          <a:stretch>
+            <a:fillRect/>
+          </a:stretch>
+        </p:blipFill>
+        <p:spPr>
+          <a:xfrm>
+            <a:off x="1982460" y="1295401"/>
+            <a:ext cx="6361440" cy="6010060"/>
+          </a:xfrm>
+          <a:prstGeom prst="rect">
+            <a:avLst/>
+          </a:prstGeom>
+        </p:spPr>
+      </p:pic>
+    </p:spTree>
+    <p:extLst>
+      <p:ext uri="{BB962C8B-B14F-4D97-AF65-F5344CB8AC3E}">
+        <p14:creationId xmlns:p14="http://schemas.microsoft.com/office/powerpoint/2010/main" val="3616809464"/>
+      </p:ext>
+    </p:extLst>
+  </p:cSld>
+  <p:clrMapOvr>
+    <a:masterClrMapping/>
+  </p:clrMapOvr>
+  <mc:AlternateContent xmlns:mc="http://schemas.openxmlformats.org/markup-compatibility/2006">
+    <mc:Choice xmlns:p14="http://schemas.microsoft.com/office/powerpoint/2010/main" Requires="p14">
+      <p:transition spd="slow" p14:dur="4000">
+        <p14:vortex dir="r"/>
+      </p:transition>
+    </mc:Choice>
+    <mc:Fallback>
+      <p:transition spd="slow">
+        <p:fade/>
+      </p:transition>
+    </mc:Fallback>
+  </mc:AlternateContent>
   <p:timing>
     <p:tnLst>
       <p:par>
@@ -7163,40 +7391,63 @@
             <p:ph type="subTitle"/>
           </p:nvPr>
         </p:nvSpPr>
-        <p:spPr/>
-        <p:txBody>
-          <a:bodyPr anchor="t"/>
-          <a:lstStyle/>
-          <a:p>
-            <a:r>
-              <a:rPr lang="fr-FR" dirty="0" smtClean="0"/>
-              <a:t>Gantt prévisionnel</a:t>
-            </a:r>
-          </a:p>
-          <a:p>
-            <a:endParaRPr lang="fr-FR" dirty="0"/>
-          </a:p>
-          <a:p>
-            <a:endParaRPr lang="fr-FR" dirty="0" smtClean="0"/>
-          </a:p>
-          <a:p>
-            <a:endParaRPr lang="fr-FR" dirty="0"/>
-          </a:p>
-          <a:p>
-            <a:endParaRPr lang="fr-FR" dirty="0" smtClean="0"/>
+        <p:spPr>
+          <a:xfrm>
+            <a:off x="284925" y="1482420"/>
+            <a:ext cx="9071640" cy="3806024"/>
+          </a:xfrm>
+        </p:spPr>
+        <p:txBody>
+          <a:bodyPr anchor="t">
+            <a:noAutofit/>
+          </a:bodyPr>
+          <a:lstStyle/>
+          <a:p>
+            <a:r>
+              <a:rPr lang="fr-FR" sz="2000" dirty="0" smtClean="0"/>
+              <a:t>Gantt </a:t>
+            </a:r>
+            <a:r>
+              <a:rPr lang="fr-FR" sz="2000" dirty="0" smtClean="0"/>
+              <a:t>prévisionnel</a:t>
+            </a:r>
+          </a:p>
+          <a:p>
+            <a:endParaRPr lang="fr-FR" sz="2000" dirty="0"/>
+          </a:p>
+          <a:p>
+            <a:endParaRPr lang="fr-FR" sz="2000" dirty="0" smtClean="0"/>
+          </a:p>
+          <a:p>
+            <a:endParaRPr lang="fr-FR" sz="2000" dirty="0"/>
+          </a:p>
+          <a:p>
+            <a:endParaRPr lang="fr-FR" sz="2000" dirty="0" smtClean="0"/>
+          </a:p>
+          <a:p>
+            <a:endParaRPr lang="fr-FR" sz="2000" dirty="0"/>
+          </a:p>
+          <a:p>
+            <a:endParaRPr lang="fr-FR" sz="2000" dirty="0" smtClean="0"/>
+          </a:p>
+          <a:p>
+            <a:endParaRPr lang="fr-FR" sz="2000" dirty="0"/>
+          </a:p>
+          <a:p>
+            <a:endParaRPr lang="fr-FR" sz="2000" dirty="0" smtClean="0"/>
           </a:p>
           <a:p>
             <a:pPr marL="0" indent="0">
               <a:buNone/>
             </a:pPr>
-            <a:endParaRPr lang="fr-FR" dirty="0" smtClean="0"/>
-          </a:p>
-          <a:p>
-            <a:r>
-              <a:rPr lang="fr-FR" dirty="0" smtClean="0"/>
+            <a:endParaRPr lang="fr-FR" sz="2000" dirty="0" smtClean="0"/>
+          </a:p>
+          <a:p>
+            <a:r>
+              <a:rPr lang="fr-FR" sz="2000" dirty="0" smtClean="0"/>
               <a:t>Gantt réalisé</a:t>
             </a:r>
-            <a:endParaRPr lang="fr-FR" dirty="0"/>
+            <a:endParaRPr lang="fr-FR" sz="2000" dirty="0"/>
           </a:p>
         </p:txBody>
       </p:sp>
@@ -7222,7 +7473,7 @@
         </p:blipFill>
         <p:spPr>
           <a:xfrm>
-            <a:off x="0" y="2214375"/>
+            <a:off x="22225" y="1913655"/>
             <a:ext cx="10058400" cy="2344694"/>
           </a:xfrm>
           <a:prstGeom prst="rect">
@@ -7270,6 +7521,18 @@
   <p:clrMapOvr>
     <a:masterClrMapping/>
   </p:clrMapOvr>
+  <mc:AlternateContent xmlns:mc="http://schemas.openxmlformats.org/markup-compatibility/2006">
+    <mc:Choice xmlns:p15="http://schemas.microsoft.com/office/powerpoint/2012/main" Requires="p15">
+      <p:transition xmlns:p14="http://schemas.microsoft.com/office/powerpoint/2010/main" spd="slow" p14:dur="2000">
+        <p15:prstTrans prst="fracture"/>
+      </p:transition>
+    </mc:Choice>
+    <mc:Fallback>
+      <p:transition spd="slow">
+        <p:fade/>
+      </p:transition>
+    </mc:Fallback>
+  </mc:AlternateContent>
   <p:timing>
     <p:tnLst>
       <p:par>
